--- a/Callme/PIM/Pim 3 – unip são josé dos campos.pptx
+++ b/Callme/PIM/Pim 3 – unip são josé dos campos.pptx
@@ -130,6 +130,156 @@
 </p:presentation>
 </file>
 
+<file path=ppt/changesInfos/changesInfo1.xml><?xml version="1.0" encoding="utf-8"?>
+<pc:chgInfo xmlns:a="http://schemas.openxmlformats.org/drawingml/2006/main" xmlns:r="http://schemas.openxmlformats.org/officeDocument/2006/relationships" xmlns:ac="http://schemas.microsoft.com/office/drawing/2013/main/command" xmlns:pc="http://schemas.microsoft.com/office/powerpoint/2013/main/command">
+  <pc:docChgLst>
+    <pc:chgData name="Luis Souza" userId="0b284ebdf422ad50" providerId="LiveId" clId="{623B7EAE-C947-4C3E-A1C7-59029D39673D}"/>
+    <pc:docChg chg="custSel modSld">
+      <pc:chgData name="Luis Souza" userId="0b284ebdf422ad50" providerId="LiveId" clId="{623B7EAE-C947-4C3E-A1C7-59029D39673D}" dt="2025-06-02T00:17:59.279" v="1290" actId="1076"/>
+      <pc:docMkLst>
+        <pc:docMk/>
+      </pc:docMkLst>
+      <pc:sldChg chg="addSp modSp mod">
+        <pc:chgData name="Luis Souza" userId="0b284ebdf422ad50" providerId="LiveId" clId="{623B7EAE-C947-4C3E-A1C7-59029D39673D}" dt="2025-06-02T00:16:41.240" v="1266" actId="14100"/>
+        <pc:sldMkLst>
+          <pc:docMk/>
+          <pc:sldMk cId="1487700712" sldId="256"/>
+        </pc:sldMkLst>
+        <pc:picChg chg="add mod">
+          <ac:chgData name="Luis Souza" userId="0b284ebdf422ad50" providerId="LiveId" clId="{623B7EAE-C947-4C3E-A1C7-59029D39673D}" dt="2025-06-02T00:16:41.240" v="1266" actId="14100"/>
+          <ac:picMkLst>
+            <pc:docMk/>
+            <pc:sldMk cId="1487700712" sldId="256"/>
+            <ac:picMk id="5" creationId="{DC1B4440-BD6E-317F-FED9-742691555C3E}"/>
+          </ac:picMkLst>
+        </pc:picChg>
+      </pc:sldChg>
+      <pc:sldChg chg="addSp modSp mod">
+        <pc:chgData name="Luis Souza" userId="0b284ebdf422ad50" providerId="LiveId" clId="{623B7EAE-C947-4C3E-A1C7-59029D39673D}" dt="2025-06-02T00:17:59.279" v="1290" actId="1076"/>
+        <pc:sldMkLst>
+          <pc:docMk/>
+          <pc:sldMk cId="3501347425" sldId="260"/>
+        </pc:sldMkLst>
+        <pc:spChg chg="mod">
+          <ac:chgData name="Luis Souza" userId="0b284ebdf422ad50" providerId="LiveId" clId="{623B7EAE-C947-4C3E-A1C7-59029D39673D}" dt="2025-06-02T00:16:14.230" v="1258" actId="1076"/>
+          <ac:spMkLst>
+            <pc:docMk/>
+            <pc:sldMk cId="3501347425" sldId="260"/>
+            <ac:spMk id="2" creationId="{0F87E73C-2B1A-4602-BFBE-CFE1E55D9B38}"/>
+          </ac:spMkLst>
+        </pc:spChg>
+        <pc:spChg chg="mod">
+          <ac:chgData name="Luis Souza" userId="0b284ebdf422ad50" providerId="LiveId" clId="{623B7EAE-C947-4C3E-A1C7-59029D39673D}" dt="2025-06-02T00:17:59.279" v="1290" actId="1076"/>
+          <ac:spMkLst>
+            <pc:docMk/>
+            <pc:sldMk cId="3501347425" sldId="260"/>
+            <ac:spMk id="4" creationId="{6B3619A1-9D37-AD00-0D1F-53DEBFEB3314}"/>
+          </ac:spMkLst>
+        </pc:spChg>
+        <pc:picChg chg="add mod">
+          <ac:chgData name="Luis Souza" userId="0b284ebdf422ad50" providerId="LiveId" clId="{623B7EAE-C947-4C3E-A1C7-59029D39673D}" dt="2025-06-02T00:17:26.165" v="1268" actId="1076"/>
+          <ac:picMkLst>
+            <pc:docMk/>
+            <pc:sldMk cId="3501347425" sldId="260"/>
+            <ac:picMk id="6" creationId="{C3DF983A-86D5-E0E4-76B7-FADAF5A369ED}"/>
+          </ac:picMkLst>
+        </pc:picChg>
+      </pc:sldChg>
+      <pc:sldChg chg="modSp mod">
+        <pc:chgData name="Luis Souza" userId="0b284ebdf422ad50" providerId="LiveId" clId="{623B7EAE-C947-4C3E-A1C7-59029D39673D}" dt="2025-06-01T23:03:32.884" v="523" actId="20577"/>
+        <pc:sldMkLst>
+          <pc:docMk/>
+          <pc:sldMk cId="3464003618" sldId="262"/>
+        </pc:sldMkLst>
+        <pc:spChg chg="mod">
+          <ac:chgData name="Luis Souza" userId="0b284ebdf422ad50" providerId="LiveId" clId="{623B7EAE-C947-4C3E-A1C7-59029D39673D}" dt="2025-06-01T23:03:32.884" v="523" actId="20577"/>
+          <ac:spMkLst>
+            <pc:docMk/>
+            <pc:sldMk cId="3464003618" sldId="262"/>
+            <ac:spMk id="3" creationId="{0C352BF7-66A2-6B8B-958D-1F4FC9E4E33D}"/>
+          </ac:spMkLst>
+        </pc:spChg>
+      </pc:sldChg>
+      <pc:sldChg chg="modSp mod">
+        <pc:chgData name="Luis Souza" userId="0b284ebdf422ad50" providerId="LiveId" clId="{623B7EAE-C947-4C3E-A1C7-59029D39673D}" dt="2025-06-01T23:02:00.638" v="486" actId="20577"/>
+        <pc:sldMkLst>
+          <pc:docMk/>
+          <pc:sldMk cId="1728274753" sldId="263"/>
+        </pc:sldMkLst>
+        <pc:spChg chg="mod">
+          <ac:chgData name="Luis Souza" userId="0b284ebdf422ad50" providerId="LiveId" clId="{623B7EAE-C947-4C3E-A1C7-59029D39673D}" dt="2025-06-01T23:02:00.638" v="486" actId="20577"/>
+          <ac:spMkLst>
+            <pc:docMk/>
+            <pc:sldMk cId="1728274753" sldId="263"/>
+            <ac:spMk id="3" creationId="{7D252398-564A-214E-4101-3C1A15005E72}"/>
+          </ac:spMkLst>
+        </pc:spChg>
+      </pc:sldChg>
+      <pc:sldChg chg="modSp mod">
+        <pc:chgData name="Luis Souza" userId="0b284ebdf422ad50" providerId="LiveId" clId="{623B7EAE-C947-4C3E-A1C7-59029D39673D}" dt="2025-06-01T23:04:56.649" v="727" actId="20577"/>
+        <pc:sldMkLst>
+          <pc:docMk/>
+          <pc:sldMk cId="3466794393" sldId="264"/>
+        </pc:sldMkLst>
+        <pc:spChg chg="mod">
+          <ac:chgData name="Luis Souza" userId="0b284ebdf422ad50" providerId="LiveId" clId="{623B7EAE-C947-4C3E-A1C7-59029D39673D}" dt="2025-06-01T23:04:56.649" v="727" actId="20577"/>
+          <ac:spMkLst>
+            <pc:docMk/>
+            <pc:sldMk cId="3466794393" sldId="264"/>
+            <ac:spMk id="3" creationId="{1A469141-11D3-115F-C4E7-2716E8A0E9BF}"/>
+          </ac:spMkLst>
+        </pc:spChg>
+      </pc:sldChg>
+      <pc:sldChg chg="modSp mod">
+        <pc:chgData name="Luis Souza" userId="0b284ebdf422ad50" providerId="LiveId" clId="{623B7EAE-C947-4C3E-A1C7-59029D39673D}" dt="2025-06-01T23:06:36.176" v="885" actId="20577"/>
+        <pc:sldMkLst>
+          <pc:docMk/>
+          <pc:sldMk cId="3109992904" sldId="265"/>
+        </pc:sldMkLst>
+        <pc:spChg chg="mod">
+          <ac:chgData name="Luis Souza" userId="0b284ebdf422ad50" providerId="LiveId" clId="{623B7EAE-C947-4C3E-A1C7-59029D39673D}" dt="2025-06-01T23:06:36.176" v="885" actId="20577"/>
+          <ac:spMkLst>
+            <pc:docMk/>
+            <pc:sldMk cId="3109992904" sldId="265"/>
+            <ac:spMk id="3" creationId="{FCEF2FC3-82E1-66FB-AAC0-83BB8039184B}"/>
+          </ac:spMkLst>
+        </pc:spChg>
+      </pc:sldChg>
+      <pc:sldChg chg="modSp mod">
+        <pc:chgData name="Luis Souza" userId="0b284ebdf422ad50" providerId="LiveId" clId="{623B7EAE-C947-4C3E-A1C7-59029D39673D}" dt="2025-06-02T00:08:47.283" v="1087" actId="20577"/>
+        <pc:sldMkLst>
+          <pc:docMk/>
+          <pc:sldMk cId="2865262376" sldId="266"/>
+        </pc:sldMkLst>
+        <pc:spChg chg="mod">
+          <ac:chgData name="Luis Souza" userId="0b284ebdf422ad50" providerId="LiveId" clId="{623B7EAE-C947-4C3E-A1C7-59029D39673D}" dt="2025-06-02T00:08:47.283" v="1087" actId="20577"/>
+          <ac:spMkLst>
+            <pc:docMk/>
+            <pc:sldMk cId="2865262376" sldId="266"/>
+            <ac:spMk id="3" creationId="{D3DD9FC8-FF5D-DA74-E179-B233B69D0D85}"/>
+          </ac:spMkLst>
+        </pc:spChg>
+      </pc:sldChg>
+      <pc:sldChg chg="modSp mod">
+        <pc:chgData name="Luis Souza" userId="0b284ebdf422ad50" providerId="LiveId" clId="{623B7EAE-C947-4C3E-A1C7-59029D39673D}" dt="2025-06-02T00:11:55.554" v="1246" actId="20577"/>
+        <pc:sldMkLst>
+          <pc:docMk/>
+          <pc:sldMk cId="2217616231" sldId="267"/>
+        </pc:sldMkLst>
+        <pc:spChg chg="mod">
+          <ac:chgData name="Luis Souza" userId="0b284ebdf422ad50" providerId="LiveId" clId="{623B7EAE-C947-4C3E-A1C7-59029D39673D}" dt="2025-06-02T00:11:55.554" v="1246" actId="20577"/>
+          <ac:spMkLst>
+            <pc:docMk/>
+            <pc:sldMk cId="2217616231" sldId="267"/>
+            <ac:spMk id="3" creationId="{C8EA38E0-F758-DA29-6B13-B10C95AAD1A5}"/>
+          </ac:spMkLst>
+        </pc:spChg>
+      </pc:sldChg>
+    </pc:docChg>
+  </pc:docChgLst>
+</pc:chgInfo>
+</file>
+
 <file path=ppt/handoutMasters/handoutMaster1.xml><?xml version="1.0" encoding="utf-8"?>
 <p:handoutMaster xmlns:a="http://schemas.openxmlformats.org/drawingml/2006/main" xmlns:r="http://schemas.openxmlformats.org/officeDocument/2006/relationships" xmlns:p="http://schemas.openxmlformats.org/presentationml/2006/main">
   <p:cSld>
@@ -226,7 +376,7 @@
             <a:pPr rtl="0"/>
             <a:fld id="{A517C7B7-34F5-4531-9889-28687F60FAC8}" type="datetime1">
               <a:rPr lang="pt-BR" smtClean="0"/>
-              <a:t>28/05/2025</a:t>
+              <a:t>01/06/2025</a:t>
             </a:fld>
             <a:endParaRPr lang="pt-BR" dirty="0"/>
           </a:p>
@@ -407,7 +557,7 @@
             <a:fld id="{40C3EC75-555C-481D-9088-738CE6DDFC83}" type="datetime1">
               <a:rPr lang="pt-BR" smtClean="0"/>
               <a:pPr/>
-              <a:t>28/05/2025</a:t>
+              <a:t>01/06/2025</a:t>
             </a:fld>
             <a:endParaRPr lang="pt-BR" dirty="0"/>
           </a:p>
@@ -1095,7 +1245,7 @@
             <a:pPr rtl="0"/>
             <a:fld id="{2AF5B136-74F1-42D3-987D-A097EEF8F2FE}" type="datetime1">
               <a:rPr lang="pt-BR" noProof="0" smtClean="0"/>
-              <a:t>28/05/2025</a:t>
+              <a:t>01/06/2025</a:t>
             </a:fld>
             <a:endParaRPr lang="pt-BR" noProof="0"/>
           </a:p>
@@ -1188,13 +1338,13 @@
   <p:clrMapOvr>
     <a:masterClrMapping/>
   </p:clrMapOvr>
-  <mc:AlternateContent xmlns:mc="http://schemas.openxmlformats.org/markup-compatibility/2006">
-    <mc:Choice xmlns:p15="http://schemas.microsoft.com/office/powerpoint/2012/main" Requires="p15">
+  <mc:AlternateContent xmlns:mc="http://schemas.openxmlformats.org/markup-compatibility/2006" xmlns:p15="http://schemas.microsoft.com/office/powerpoint/2012/main">
+    <mc:Choice Requires="p15">
       <p:transition xmlns:p14="http://schemas.microsoft.com/office/powerpoint/2010/main" spd="slow" p14:dur="1250">
         <p15:prstTrans prst="peelOff"/>
       </p:transition>
     </mc:Choice>
-    <mc:Fallback>
+    <mc:Fallback xmlns="">
       <p:transition spd="slow">
         <p:fade/>
       </p:transition>
@@ -1372,7 +1522,7 @@
             <a:pPr rtl="0"/>
             <a:fld id="{0229B074-15EB-43FB-8347-3A734D799093}" type="datetime1">
               <a:rPr lang="pt-BR" noProof="0" smtClean="0"/>
-              <a:t>28/05/2025</a:t>
+              <a:t>01/06/2025</a:t>
             </a:fld>
             <a:endParaRPr lang="pt-BR" noProof="0"/>
           </a:p>
@@ -1433,13 +1583,13 @@
   <p:clrMapOvr>
     <a:masterClrMapping/>
   </p:clrMapOvr>
-  <mc:AlternateContent xmlns:mc="http://schemas.openxmlformats.org/markup-compatibility/2006">
-    <mc:Choice xmlns:p15="http://schemas.microsoft.com/office/powerpoint/2012/main" Requires="p15">
+  <mc:AlternateContent xmlns:mc="http://schemas.openxmlformats.org/markup-compatibility/2006" xmlns:p15="http://schemas.microsoft.com/office/powerpoint/2012/main">
+    <mc:Choice Requires="p15">
       <p:transition xmlns:p14="http://schemas.microsoft.com/office/powerpoint/2010/main" spd="slow" p14:dur="1250">
         <p15:prstTrans prst="peelOff"/>
       </p:transition>
     </mc:Choice>
-    <mc:Fallback>
+    <mc:Fallback xmlns="">
       <p:transition spd="slow">
         <p:fade/>
       </p:transition>
@@ -1622,7 +1772,7 @@
             <a:pPr rtl="0"/>
             <a:fld id="{036303E3-8DE9-4C2D-91EE-6F377AE582A8}" type="datetime1">
               <a:rPr lang="pt-BR" noProof="0" smtClean="0"/>
-              <a:t>28/05/2025</a:t>
+              <a:t>01/06/2025</a:t>
             </a:fld>
             <a:endParaRPr lang="pt-BR" noProof="0"/>
           </a:p>
@@ -1704,13 +1854,13 @@
   <p:clrMapOvr>
     <a:masterClrMapping/>
   </p:clrMapOvr>
-  <mc:AlternateContent xmlns:mc="http://schemas.openxmlformats.org/markup-compatibility/2006">
-    <mc:Choice xmlns:p15="http://schemas.microsoft.com/office/powerpoint/2012/main" Requires="p15">
+  <mc:AlternateContent xmlns:mc="http://schemas.openxmlformats.org/markup-compatibility/2006" xmlns:p15="http://schemas.microsoft.com/office/powerpoint/2012/main">
+    <mc:Choice Requires="p15">
       <p:transition xmlns:p14="http://schemas.microsoft.com/office/powerpoint/2010/main" spd="slow" p14:dur="1250">
         <p15:prstTrans prst="peelOff"/>
       </p:transition>
     </mc:Choice>
-    <mc:Fallback>
+    <mc:Fallback xmlns="">
       <p:transition spd="slow">
         <p:fade/>
       </p:transition>
@@ -1877,7 +2027,7 @@
             <a:pPr rtl="0"/>
             <a:fld id="{B04AF3F4-81C7-4F15-8991-6D0E8D06651A}" type="datetime1">
               <a:rPr lang="pt-BR" noProof="0" smtClean="0"/>
-              <a:t>28/05/2025</a:t>
+              <a:t>01/06/2025</a:t>
             </a:fld>
             <a:endParaRPr lang="pt-BR" noProof="0"/>
           </a:p>
@@ -1943,13 +2093,13 @@
   <p:clrMapOvr>
     <a:masterClrMapping/>
   </p:clrMapOvr>
-  <mc:AlternateContent xmlns:mc="http://schemas.openxmlformats.org/markup-compatibility/2006">
-    <mc:Choice xmlns:p15="http://schemas.microsoft.com/office/powerpoint/2012/main" Requires="p15">
+  <mc:AlternateContent xmlns:mc="http://schemas.openxmlformats.org/markup-compatibility/2006" xmlns:p15="http://schemas.microsoft.com/office/powerpoint/2012/main">
+    <mc:Choice Requires="p15">
       <p:transition xmlns:p14="http://schemas.microsoft.com/office/powerpoint/2010/main" spd="slow" p14:dur="1250">
         <p15:prstTrans prst="peelOff"/>
       </p:transition>
     </mc:Choice>
-    <mc:Fallback>
+    <mc:Fallback xmlns="">
       <p:transition spd="slow">
         <p:fade/>
       </p:transition>
@@ -2200,7 +2350,7 @@
             <a:pPr rtl="0"/>
             <a:fld id="{6E2946E4-8964-43BF-B1D5-4261B83248E5}" type="datetime1">
               <a:rPr lang="pt-BR" noProof="0" smtClean="0"/>
-              <a:t>28/05/2025</a:t>
+              <a:t>01/06/2025</a:t>
             </a:fld>
             <a:endParaRPr lang="pt-BR" noProof="0"/>
           </a:p>
@@ -2283,13 +2433,13 @@
   <p:clrMapOvr>
     <a:masterClrMapping/>
   </p:clrMapOvr>
-  <mc:AlternateContent xmlns:mc="http://schemas.openxmlformats.org/markup-compatibility/2006">
-    <mc:Choice xmlns:p15="http://schemas.microsoft.com/office/powerpoint/2012/main" Requires="p15">
+  <mc:AlternateContent xmlns:mc="http://schemas.openxmlformats.org/markup-compatibility/2006" xmlns:p15="http://schemas.microsoft.com/office/powerpoint/2012/main">
+    <mc:Choice Requires="p15">
       <p:transition xmlns:p14="http://schemas.microsoft.com/office/powerpoint/2010/main" spd="slow" p14:dur="1250">
         <p15:prstTrans prst="peelOff"/>
       </p:transition>
     </mc:Choice>
-    <mc:Fallback>
+    <mc:Fallback xmlns="">
       <p:transition spd="slow">
         <p:fade/>
       </p:transition>
@@ -2516,7 +2666,7 @@
             <a:pPr rtl="0"/>
             <a:fld id="{97C9F420-083C-437A-9265-7F13EB97C6A2}" type="datetime1">
               <a:rPr lang="pt-BR" noProof="0" smtClean="0"/>
-              <a:t>28/05/2025</a:t>
+              <a:t>01/06/2025</a:t>
             </a:fld>
             <a:endParaRPr lang="pt-BR" noProof="0"/>
           </a:p>
@@ -2577,13 +2727,13 @@
   <p:clrMapOvr>
     <a:masterClrMapping/>
   </p:clrMapOvr>
-  <mc:AlternateContent xmlns:mc="http://schemas.openxmlformats.org/markup-compatibility/2006">
-    <mc:Choice xmlns:p15="http://schemas.microsoft.com/office/powerpoint/2012/main" Requires="p15">
+  <mc:AlternateContent xmlns:mc="http://schemas.openxmlformats.org/markup-compatibility/2006" xmlns:p15="http://schemas.microsoft.com/office/powerpoint/2012/main">
+    <mc:Choice Requires="p15">
       <p:transition xmlns:p14="http://schemas.microsoft.com/office/powerpoint/2010/main" spd="slow" p14:dur="1250">
         <p15:prstTrans prst="peelOff"/>
       </p:transition>
     </mc:Choice>
-    <mc:Fallback>
+    <mc:Fallback xmlns="">
       <p:transition spd="slow">
         <p:fade/>
       </p:transition>
@@ -2952,7 +3102,7 @@
             <a:pPr rtl="0"/>
             <a:fld id="{BE07AF20-ED70-4B21-B799-75BB5818AB43}" type="datetime1">
               <a:rPr lang="pt-BR" noProof="0" smtClean="0"/>
-              <a:t>28/05/2025</a:t>
+              <a:t>01/06/2025</a:t>
             </a:fld>
             <a:endParaRPr lang="pt-BR" noProof="0"/>
           </a:p>
@@ -3013,13 +3163,13 @@
   <p:clrMapOvr>
     <a:masterClrMapping/>
   </p:clrMapOvr>
-  <mc:AlternateContent xmlns:mc="http://schemas.openxmlformats.org/markup-compatibility/2006">
-    <mc:Choice xmlns:p15="http://schemas.microsoft.com/office/powerpoint/2012/main" Requires="p15">
+  <mc:AlternateContent xmlns:mc="http://schemas.openxmlformats.org/markup-compatibility/2006" xmlns:p15="http://schemas.microsoft.com/office/powerpoint/2012/main">
+    <mc:Choice Requires="p15">
       <p:transition xmlns:p14="http://schemas.microsoft.com/office/powerpoint/2010/main" spd="slow" p14:dur="1250">
         <p15:prstTrans prst="peelOff"/>
       </p:transition>
     </mc:Choice>
-    <mc:Fallback>
+    <mc:Fallback xmlns="">
       <p:transition spd="slow">
         <p:fade/>
       </p:transition>
@@ -3063,7 +3213,7 @@
             <a:pPr rtl="0"/>
             <a:fld id="{0D33D876-8C34-42FC-BFF7-457557B97BB7}" type="datetime1">
               <a:rPr lang="pt-BR" noProof="0" smtClean="0"/>
-              <a:t>28/05/2025</a:t>
+              <a:t>01/06/2025</a:t>
             </a:fld>
             <a:endParaRPr lang="pt-BR" noProof="0"/>
           </a:p>
@@ -3191,13 +3341,13 @@
   <p:clrMapOvr>
     <a:masterClrMapping/>
   </p:clrMapOvr>
-  <mc:AlternateContent xmlns:mc="http://schemas.openxmlformats.org/markup-compatibility/2006">
-    <mc:Choice xmlns:p15="http://schemas.microsoft.com/office/powerpoint/2012/main" Requires="p15">
+  <mc:AlternateContent xmlns:mc="http://schemas.openxmlformats.org/markup-compatibility/2006" xmlns:p15="http://schemas.microsoft.com/office/powerpoint/2012/main">
+    <mc:Choice Requires="p15">
       <p:transition xmlns:p14="http://schemas.microsoft.com/office/powerpoint/2010/main" spd="slow" p14:dur="1250">
         <p15:prstTrans prst="peelOff"/>
       </p:transition>
     </mc:Choice>
-    <mc:Fallback>
+    <mc:Fallback xmlns="">
       <p:transition spd="slow">
         <p:fade/>
       </p:transition>
@@ -3241,7 +3391,7 @@
             <a:pPr rtl="0"/>
             <a:fld id="{4592437E-206F-4A1C-947F-806A50A40B88}" type="datetime1">
               <a:rPr lang="pt-BR" noProof="0" smtClean="0"/>
-              <a:t>28/05/2025</a:t>
+              <a:t>01/06/2025</a:t>
             </a:fld>
             <a:endParaRPr lang="pt-BR" noProof="0"/>
           </a:p>
@@ -3302,13 +3452,13 @@
   <p:clrMapOvr>
     <a:masterClrMapping/>
   </p:clrMapOvr>
-  <mc:AlternateContent xmlns:mc="http://schemas.openxmlformats.org/markup-compatibility/2006">
-    <mc:Choice xmlns:p15="http://schemas.microsoft.com/office/powerpoint/2012/main" Requires="p15">
+  <mc:AlternateContent xmlns:mc="http://schemas.openxmlformats.org/markup-compatibility/2006" xmlns:p15="http://schemas.microsoft.com/office/powerpoint/2012/main">
+    <mc:Choice Requires="p15">
       <p:transition xmlns:p14="http://schemas.microsoft.com/office/powerpoint/2010/main" spd="slow" p14:dur="1250">
         <p15:prstTrans prst="peelOff"/>
       </p:transition>
     </mc:Choice>
-    <mc:Fallback>
+    <mc:Fallback xmlns="">
       <p:transition spd="slow">
         <p:fade/>
       </p:transition>
@@ -3634,7 +3784,7 @@
             <a:pPr rtl="0"/>
             <a:fld id="{B036DDBC-F1EF-4D09-A533-5995BC167053}" type="datetime1">
               <a:rPr lang="pt-BR" noProof="0" smtClean="0"/>
-              <a:t>28/05/2025</a:t>
+              <a:t>01/06/2025</a:t>
             </a:fld>
             <a:endParaRPr lang="pt-BR" noProof="0"/>
           </a:p>
@@ -3717,13 +3867,13 @@
   <p:clrMapOvr>
     <a:masterClrMapping/>
   </p:clrMapOvr>
-  <mc:AlternateContent xmlns:mc="http://schemas.openxmlformats.org/markup-compatibility/2006">
-    <mc:Choice xmlns:p15="http://schemas.microsoft.com/office/powerpoint/2012/main" Requires="p15">
+  <mc:AlternateContent xmlns:mc="http://schemas.openxmlformats.org/markup-compatibility/2006" xmlns:p15="http://schemas.microsoft.com/office/powerpoint/2012/main">
+    <mc:Choice Requires="p15">
       <p:transition xmlns:p14="http://schemas.microsoft.com/office/powerpoint/2010/main" spd="slow" p14:dur="1250">
         <p15:prstTrans prst="peelOff"/>
       </p:transition>
     </mc:Choice>
-    <mc:Fallback>
+    <mc:Fallback xmlns="">
       <p:transition spd="slow">
         <p:fade/>
       </p:transition>
@@ -3939,7 +4089,7 @@
             <a:pPr rtl="0"/>
             <a:fld id="{DFFDDC01-A1CF-4C3A-BE96-FBC60101324D}" type="datetime1">
               <a:rPr lang="pt-BR" noProof="0" smtClean="0"/>
-              <a:t>28/05/2025</a:t>
+              <a:t>01/06/2025</a:t>
             </a:fld>
             <a:endParaRPr lang="pt-BR" noProof="0"/>
           </a:p>
@@ -4000,13 +4150,13 @@
   <p:clrMapOvr>
     <a:masterClrMapping/>
   </p:clrMapOvr>
-  <mc:AlternateContent xmlns:mc="http://schemas.openxmlformats.org/markup-compatibility/2006">
-    <mc:Choice xmlns:p15="http://schemas.microsoft.com/office/powerpoint/2012/main" Requires="p15">
+  <mc:AlternateContent xmlns:mc="http://schemas.openxmlformats.org/markup-compatibility/2006" xmlns:p15="http://schemas.microsoft.com/office/powerpoint/2012/main">
+    <mc:Choice Requires="p15">
       <p:transition xmlns:p14="http://schemas.microsoft.com/office/powerpoint/2010/main" spd="slow" p14:dur="1250">
         <p15:prstTrans prst="peelOff"/>
       </p:transition>
     </mc:Choice>
-    <mc:Fallback>
+    <mc:Fallback xmlns="">
       <p:transition spd="slow">
         <p:fade/>
       </p:transition>
@@ -4165,7 +4315,7 @@
             <a:pPr rtl="0"/>
             <a:fld id="{52266794-2CD5-4ED3-94F8-8B8DC65FDDE3}" type="datetime1">
               <a:rPr lang="pt-BR" noProof="0" smtClean="0"/>
-              <a:t>28/05/2025</a:t>
+              <a:t>01/06/2025</a:t>
             </a:fld>
             <a:endParaRPr lang="pt-BR" noProof="0"/>
           </a:p>
@@ -4380,13 +4530,13 @@
     <p:sldLayoutId id="2147483682" r:id="rId10"/>
     <p:sldLayoutId id="2147483683" r:id="rId11"/>
   </p:sldLayoutIdLst>
-  <mc:AlternateContent xmlns:mc="http://schemas.openxmlformats.org/markup-compatibility/2006">
-    <mc:Choice xmlns:p15="http://schemas.microsoft.com/office/powerpoint/2012/main" Requires="p15">
+  <mc:AlternateContent xmlns:mc="http://schemas.openxmlformats.org/markup-compatibility/2006" xmlns:p15="http://schemas.microsoft.com/office/powerpoint/2012/main">
+    <mc:Choice Requires="p15">
       <p:transition xmlns:p14="http://schemas.microsoft.com/office/powerpoint/2010/main" spd="slow" p14:dur="1250">
         <p15:prstTrans prst="peelOff"/>
       </p:transition>
     </mc:Choice>
-    <mc:Fallback>
+    <mc:Fallback xmlns="">
       <p:transition spd="slow">
         <p:fade/>
       </p:transition>
@@ -5209,6 +5359,36 @@
           </a:p>
         </p:txBody>
       </p:sp>
+      <p:pic>
+        <p:nvPicPr>
+          <p:cNvPr id="5" name="Imagem 4">
+            <a:extLst>
+              <a:ext uri="{FF2B5EF4-FFF2-40B4-BE49-F238E27FC236}">
+                <a16:creationId xmlns:a16="http://schemas.microsoft.com/office/drawing/2014/main" id="{DC1B4440-BD6E-317F-FED9-742691555C3E}"/>
+              </a:ext>
+            </a:extLst>
+          </p:cNvPr>
+          <p:cNvPicPr>
+            <a:picLocks noChangeAspect="1"/>
+          </p:cNvPicPr>
+          <p:nvPr/>
+        </p:nvPicPr>
+        <p:blipFill>
+          <a:blip r:embed="rId4"/>
+          <a:stretch>
+            <a:fillRect/>
+          </a:stretch>
+        </p:blipFill>
+        <p:spPr>
+          <a:xfrm>
+            <a:off x="446535" y="821331"/>
+            <a:ext cx="1116112" cy="1116112"/>
+          </a:xfrm>
+          <a:prstGeom prst="rect">
+            <a:avLst/>
+          </a:prstGeom>
+        </p:spPr>
+      </p:pic>
     </p:spTree>
     <p:extLst>
       <p:ext uri="{BB962C8B-B14F-4D97-AF65-F5344CB8AC3E}">
@@ -5219,13 +5399,13 @@
   <p:clrMapOvr>
     <a:masterClrMapping/>
   </p:clrMapOvr>
-  <mc:AlternateContent xmlns:mc="http://schemas.openxmlformats.org/markup-compatibility/2006">
-    <mc:Choice xmlns:p15="http://schemas.microsoft.com/office/powerpoint/2012/main" Requires="p15">
+  <mc:AlternateContent xmlns:mc="http://schemas.openxmlformats.org/markup-compatibility/2006" xmlns:p15="http://schemas.microsoft.com/office/powerpoint/2012/main">
+    <mc:Choice Requires="p15">
       <p:transition xmlns:p14="http://schemas.microsoft.com/office/powerpoint/2010/main" spd="slow" p14:dur="1250">
         <p15:prstTrans prst="peelOff"/>
       </p:transition>
     </mc:Choice>
-    <mc:Fallback>
+    <mc:Fallback xmlns="">
       <p:transition spd="slow">
         <p:fade/>
       </p:transition>
@@ -5579,7 +5759,7 @@
         </p:nvSpPr>
         <p:spPr>
           <a:xfrm>
-            <a:off x="8296275" y="1419226"/>
+            <a:off x="8305314" y="1514672"/>
             <a:ext cx="3081576" cy="1041872"/>
           </a:xfrm>
         </p:spPr>
@@ -5589,7 +5769,7 @@
           </a:bodyPr>
           <a:lstStyle/>
           <a:p>
-            <a:pPr rtl="0"/>
+            <a:pPr algn="ctr" rtl="0"/>
             <a:r>
               <a:rPr lang="pt-BR" dirty="0">
                 <a:solidFill>
@@ -5779,8 +5959,8 @@
         </p:nvSpPr>
         <p:spPr>
           <a:xfrm>
-            <a:off x="8353019" y="5593404"/>
-            <a:ext cx="2986167" cy="414715"/>
+            <a:off x="9036854" y="5740390"/>
+            <a:ext cx="2504678" cy="414715"/>
           </a:xfrm>
           <a:prstGeom prst="rect">
             <a:avLst/>
@@ -6021,11 +6201,41 @@
                   <a:schemeClr val="bg2"/>
                 </a:solidFill>
               </a:rPr>
-              <a:t> – noturno		2025</a:t>
-            </a:r>
-          </a:p>
-        </p:txBody>
-      </p:sp>
+              <a:t> – noturno	2025</a:t>
+            </a:r>
+          </a:p>
+        </p:txBody>
+      </p:sp>
+      <p:pic>
+        <p:nvPicPr>
+          <p:cNvPr id="6" name="Imagem 5">
+            <a:extLst>
+              <a:ext uri="{FF2B5EF4-FFF2-40B4-BE49-F238E27FC236}">
+                <a16:creationId xmlns:a16="http://schemas.microsoft.com/office/drawing/2014/main" id="{C3DF983A-86D5-E0E4-76B7-FADAF5A369ED}"/>
+              </a:ext>
+            </a:extLst>
+          </p:cNvPr>
+          <p:cNvPicPr>
+            <a:picLocks noChangeAspect="1"/>
+          </p:cNvPicPr>
+          <p:nvPr/>
+        </p:nvPicPr>
+        <p:blipFill>
+          <a:blip r:embed="rId4"/>
+          <a:stretch>
+            <a:fillRect/>
+          </a:stretch>
+        </p:blipFill>
+        <p:spPr>
+          <a:xfrm>
+            <a:off x="8042147" y="5552362"/>
+            <a:ext cx="790773" cy="790773"/>
+          </a:xfrm>
+          <a:prstGeom prst="rect">
+            <a:avLst/>
+          </a:prstGeom>
+        </p:spPr>
+      </p:pic>
     </p:spTree>
     <p:extLst>
       <p:ext uri="{BB962C8B-B14F-4D97-AF65-F5344CB8AC3E}">
@@ -6036,13 +6246,13 @@
   <p:clrMapOvr>
     <a:masterClrMapping/>
   </p:clrMapOvr>
-  <mc:AlternateContent xmlns:mc="http://schemas.openxmlformats.org/markup-compatibility/2006">
-    <mc:Choice xmlns:p15="http://schemas.microsoft.com/office/powerpoint/2012/main" Requires="p15">
+  <mc:AlternateContent xmlns:mc="http://schemas.openxmlformats.org/markup-compatibility/2006" xmlns:p15="http://schemas.microsoft.com/office/powerpoint/2012/main">
+    <mc:Choice Requires="p15">
       <p:transition xmlns:p14="http://schemas.microsoft.com/office/powerpoint/2010/main" spd="slow" p14:dur="1250">
         <p15:prstTrans prst="peelOff"/>
       </p:transition>
     </mc:Choice>
-    <mc:Fallback>
+    <mc:Fallback xmlns="">
       <p:transition spd="slow">
         <p:fade/>
       </p:transition>
@@ -6244,13 +6454,13 @@
   <p:clrMapOvr>
     <a:masterClrMapping/>
   </p:clrMapOvr>
-  <mc:AlternateContent xmlns:mc="http://schemas.openxmlformats.org/markup-compatibility/2006">
-    <mc:Choice xmlns:p15="http://schemas.microsoft.com/office/powerpoint/2012/main" Requires="p15">
+  <mc:AlternateContent xmlns:mc="http://schemas.openxmlformats.org/markup-compatibility/2006" xmlns:p15="http://schemas.microsoft.com/office/powerpoint/2012/main">
+    <mc:Choice Requires="p15">
       <p:transition xmlns:p14="http://schemas.microsoft.com/office/powerpoint/2010/main" spd="slow" p14:dur="1250">
         <p15:prstTrans prst="peelOff"/>
       </p:transition>
     </mc:Choice>
-    <mc:Fallback>
+    <mc:Fallback xmlns="">
       <p:transition spd="slow">
         <p:fade/>
       </p:transition>
@@ -6346,11 +6556,91 @@
           </a:bodyPr>
           <a:lstStyle/>
           <a:p>
+            <a:r>
+              <a:rPr lang="pt-BR" dirty="0">
+                <a:solidFill>
+                  <a:schemeClr val="accent3"/>
+                </a:solidFill>
+              </a:rPr>
+              <a:t>Método ágil para desenvolvimento de softwares</a:t>
+            </a:r>
+          </a:p>
+          <a:p>
             <a:endParaRPr lang="pt-BR" dirty="0">
               <a:solidFill>
                 <a:schemeClr val="accent3"/>
               </a:solidFill>
             </a:endParaRPr>
+          </a:p>
+          <a:p>
+            <a:pPr marL="285750" indent="-285750">
+              <a:buFont typeface="Wingdings" panose="05000000000000000000" pitchFamily="2" charset="2"/>
+              <a:buChar char="Ø"/>
+            </a:pPr>
+            <a:r>
+              <a:rPr lang="pt-BR" dirty="0">
+                <a:solidFill>
+                  <a:schemeClr val="accent3"/>
+                </a:solidFill>
+              </a:rPr>
+              <a:t>Definição do p.o. (product owner), scrum master e os desenvolvedores</a:t>
+            </a:r>
+          </a:p>
+          <a:p>
+            <a:pPr marL="285750" indent="-285750">
+              <a:buFont typeface="Wingdings" panose="05000000000000000000" pitchFamily="2" charset="2"/>
+              <a:buChar char="Ø"/>
+            </a:pPr>
+            <a:r>
+              <a:rPr lang="pt-BR" dirty="0">
+                <a:solidFill>
+                  <a:schemeClr val="accent3"/>
+                </a:solidFill>
+              </a:rPr>
+              <a:t>Levantamento de requisitos</a:t>
+            </a:r>
+          </a:p>
+          <a:p>
+            <a:pPr marL="285750" indent="-285750">
+              <a:buFont typeface="Wingdings" panose="05000000000000000000" pitchFamily="2" charset="2"/>
+              <a:buChar char="Ø"/>
+            </a:pPr>
+            <a:r>
+              <a:rPr lang="pt-BR" dirty="0">
+                <a:solidFill>
+                  <a:schemeClr val="accent3"/>
+                </a:solidFill>
+              </a:rPr>
+              <a:t>Criação das sprints</a:t>
+            </a:r>
+          </a:p>
+          <a:p>
+            <a:pPr marL="285750" indent="-285750">
+              <a:buFont typeface="Wingdings" panose="05000000000000000000" pitchFamily="2" charset="2"/>
+              <a:buChar char="Ø"/>
+            </a:pPr>
+            <a:r>
+              <a:rPr lang="pt-BR" dirty="0">
+                <a:solidFill>
+                  <a:schemeClr val="accent3"/>
+                </a:solidFill>
+              </a:rPr>
+              <a:t>Criação dos diagramas da uml</a:t>
+            </a:r>
+          </a:p>
+          <a:p>
+            <a:pPr marL="285750" indent="-285750">
+              <a:buFont typeface="Wingdings" panose="05000000000000000000" pitchFamily="2" charset="2"/>
+              <a:buChar char="Ø"/>
+            </a:pPr>
+            <a:r>
+              <a:rPr lang="pt-BR" dirty="0">
+                <a:solidFill>
+                  <a:schemeClr val="accent3"/>
+                </a:solidFill>
+              </a:rPr>
+              <a:t>Desenvolvimento das interfaces</a:t>
+            </a:r>
           </a:p>
         </p:txBody>
       </p:sp>
@@ -6364,13 +6654,13 @@
   <p:clrMapOvr>
     <a:masterClrMapping/>
   </p:clrMapOvr>
-  <mc:AlternateContent xmlns:mc="http://schemas.openxmlformats.org/markup-compatibility/2006">
-    <mc:Choice xmlns:p15="http://schemas.microsoft.com/office/powerpoint/2012/main" Requires="p15">
+  <mc:AlternateContent xmlns:mc="http://schemas.openxmlformats.org/markup-compatibility/2006" xmlns:p15="http://schemas.microsoft.com/office/powerpoint/2012/main">
+    <mc:Choice Requires="p15">
       <p:transition xmlns:p14="http://schemas.microsoft.com/office/powerpoint/2010/main" spd="slow" p14:dur="1250">
         <p15:prstTrans prst="peelOff"/>
       </p:transition>
     </mc:Choice>
-    <mc:Fallback>
+    <mc:Fallback xmlns="">
       <p:transition spd="slow">
         <p:fade/>
       </p:transition>
@@ -6466,6 +6756,51 @@
           </a:bodyPr>
           <a:lstStyle/>
           <a:p>
+            <a:r>
+              <a:rPr lang="pt-BR" dirty="0">
+                <a:solidFill>
+                  <a:schemeClr val="accent3"/>
+                </a:solidFill>
+              </a:rPr>
+              <a:t>p.o. levanta os requisitos do sistema</a:t>
+            </a:r>
+          </a:p>
+          <a:p>
+            <a:endParaRPr lang="pt-BR" dirty="0">
+              <a:solidFill>
+                <a:schemeClr val="accent3"/>
+              </a:solidFill>
+            </a:endParaRPr>
+          </a:p>
+          <a:p>
+            <a:pPr marL="285750" indent="-285750">
+              <a:buFont typeface="Wingdings" panose="05000000000000000000" pitchFamily="2" charset="2"/>
+              <a:buChar char="Ø"/>
+            </a:pPr>
+            <a:r>
+              <a:rPr lang="pt-BR" dirty="0">
+                <a:solidFill>
+                  <a:schemeClr val="accent3"/>
+                </a:solidFill>
+              </a:rPr>
+              <a:t>Requisitos funcionais</a:t>
+            </a:r>
+          </a:p>
+          <a:p>
+            <a:pPr marL="285750" indent="-285750">
+              <a:buFont typeface="Wingdings" panose="05000000000000000000" pitchFamily="2" charset="2"/>
+              <a:buChar char="Ø"/>
+            </a:pPr>
+            <a:r>
+              <a:rPr lang="pt-BR" dirty="0">
+                <a:solidFill>
+                  <a:schemeClr val="accent3"/>
+                </a:solidFill>
+              </a:rPr>
+              <a:t>Requisitos não funcionais </a:t>
+            </a:r>
+          </a:p>
+          <a:p>
             <a:endParaRPr lang="pt-BR" dirty="0">
               <a:solidFill>
                 <a:schemeClr val="accent3"/>
@@ -6484,13 +6819,13 @@
   <p:clrMapOvr>
     <a:masterClrMapping/>
   </p:clrMapOvr>
-  <mc:AlternateContent xmlns:mc="http://schemas.openxmlformats.org/markup-compatibility/2006">
-    <mc:Choice xmlns:p15="http://schemas.microsoft.com/office/powerpoint/2012/main" Requires="p15">
+  <mc:AlternateContent xmlns:mc="http://schemas.openxmlformats.org/markup-compatibility/2006" xmlns:p15="http://schemas.microsoft.com/office/powerpoint/2012/main">
+    <mc:Choice Requires="p15">
       <p:transition xmlns:p14="http://schemas.microsoft.com/office/powerpoint/2010/main" spd="slow" p14:dur="1250">
         <p15:prstTrans prst="peelOff"/>
       </p:transition>
     </mc:Choice>
-    <mc:Fallback>
+    <mc:Fallback xmlns="">
       <p:transition spd="slow">
         <p:fade/>
       </p:transition>
@@ -6586,6 +6921,65 @@
           </a:bodyPr>
           <a:lstStyle/>
           <a:p>
+            <a:r>
+              <a:rPr lang="pt-BR" dirty="0">
+                <a:solidFill>
+                  <a:schemeClr val="accent3"/>
+                </a:solidFill>
+              </a:rPr>
+              <a:t>A equipe define as sprints necessárias para a conclusão do projeto</a:t>
+            </a:r>
+          </a:p>
+          <a:p>
+            <a:endParaRPr lang="pt-BR" dirty="0">
+              <a:solidFill>
+                <a:schemeClr val="accent3"/>
+              </a:solidFill>
+            </a:endParaRPr>
+          </a:p>
+          <a:p>
+            <a:pPr marL="285750" indent="-285750">
+              <a:buFont typeface="Wingdings" panose="05000000000000000000" pitchFamily="2" charset="2"/>
+              <a:buChar char="Ø"/>
+            </a:pPr>
+            <a:r>
+              <a:rPr lang="pt-BR" dirty="0">
+                <a:solidFill>
+                  <a:schemeClr val="accent3"/>
+                </a:solidFill>
+              </a:rPr>
+              <a:t>Definição das tarefas</a:t>
+            </a:r>
+          </a:p>
+          <a:p>
+            <a:pPr marL="285750" indent="-285750">
+              <a:buFont typeface="Wingdings" panose="05000000000000000000" pitchFamily="2" charset="2"/>
+              <a:buChar char="Ø"/>
+            </a:pPr>
+            <a:r>
+              <a:rPr lang="pt-BR" dirty="0">
+                <a:solidFill>
+                  <a:schemeClr val="accent3"/>
+                </a:solidFill>
+              </a:rPr>
+              <a:t>Definição dos responsáveis</a:t>
+            </a:r>
+          </a:p>
+          <a:p>
+            <a:pPr marL="285750" indent="-285750">
+              <a:buFont typeface="Wingdings" panose="05000000000000000000" pitchFamily="2" charset="2"/>
+              <a:buChar char="Ø"/>
+            </a:pPr>
+            <a:r>
+              <a:rPr lang="pt-BR" dirty="0">
+                <a:solidFill>
+                  <a:schemeClr val="accent3"/>
+                </a:solidFill>
+              </a:rPr>
+              <a:t>Definição dos prazos de entrega</a:t>
+            </a:r>
+          </a:p>
+          <a:p>
             <a:endParaRPr lang="pt-BR" dirty="0">
               <a:solidFill>
                 <a:schemeClr val="accent3"/>
@@ -6604,13 +6998,13 @@
   <p:clrMapOvr>
     <a:masterClrMapping/>
   </p:clrMapOvr>
-  <mc:AlternateContent xmlns:mc="http://schemas.openxmlformats.org/markup-compatibility/2006">
-    <mc:Choice xmlns:p15="http://schemas.microsoft.com/office/powerpoint/2012/main" Requires="p15">
+  <mc:AlternateContent xmlns:mc="http://schemas.openxmlformats.org/markup-compatibility/2006" xmlns:p15="http://schemas.microsoft.com/office/powerpoint/2012/main">
+    <mc:Choice Requires="p15">
       <p:transition xmlns:p14="http://schemas.microsoft.com/office/powerpoint/2010/main" spd="slow" p14:dur="1250">
         <p15:prstTrans prst="peelOff"/>
       </p:transition>
     </mc:Choice>
-    <mc:Fallback>
+    <mc:Fallback xmlns="">
       <p:transition spd="slow">
         <p:fade/>
       </p:transition>
@@ -6706,6 +7100,83 @@
           </a:bodyPr>
           <a:lstStyle/>
           <a:p>
+            <a:r>
+              <a:rPr lang="pt-BR" dirty="0">
+                <a:solidFill>
+                  <a:schemeClr val="accent3"/>
+                </a:solidFill>
+              </a:rPr>
+              <a:t>Desenvolvimento dos diagramas da uml</a:t>
+            </a:r>
+          </a:p>
+          <a:p>
+            <a:endParaRPr lang="pt-BR" dirty="0">
+              <a:solidFill>
+                <a:schemeClr val="accent3"/>
+              </a:solidFill>
+            </a:endParaRPr>
+          </a:p>
+          <a:p>
+            <a:pPr marL="285750" indent="-285750">
+              <a:buFont typeface="Wingdings" panose="05000000000000000000" pitchFamily="2" charset="2"/>
+              <a:buChar char="Ø"/>
+            </a:pPr>
+            <a:r>
+              <a:rPr lang="pt-BR" dirty="0">
+                <a:solidFill>
+                  <a:schemeClr val="accent3"/>
+                </a:solidFill>
+              </a:rPr>
+              <a:t>Desenvolvimento do diagrama de caso de uso</a:t>
+            </a:r>
+          </a:p>
+          <a:p>
+            <a:pPr marL="285750" indent="-285750">
+              <a:buFont typeface="Wingdings" panose="05000000000000000000" pitchFamily="2" charset="2"/>
+              <a:buChar char="Ø"/>
+            </a:pPr>
+            <a:r>
+              <a:rPr lang="pt-BR" dirty="0">
+                <a:solidFill>
+                  <a:schemeClr val="accent3"/>
+                </a:solidFill>
+              </a:rPr>
+              <a:t>Desenvolvimento do diagrama de classes</a:t>
+            </a:r>
+          </a:p>
+          <a:p>
+            <a:pPr marL="285750" indent="-285750">
+              <a:buFont typeface="Wingdings" panose="05000000000000000000" pitchFamily="2" charset="2"/>
+              <a:buChar char="Ø"/>
+            </a:pPr>
+            <a:r>
+              <a:rPr lang="pt-BR" dirty="0">
+                <a:solidFill>
+                  <a:schemeClr val="accent3"/>
+                </a:solidFill>
+              </a:rPr>
+              <a:t>Desenvolvimento do diagrama de sequência</a:t>
+            </a:r>
+          </a:p>
+          <a:p>
+            <a:pPr marL="285750" indent="-285750">
+              <a:buFont typeface="Wingdings" panose="05000000000000000000" pitchFamily="2" charset="2"/>
+              <a:buChar char="Ø"/>
+            </a:pPr>
+            <a:r>
+              <a:rPr lang="pt-BR" dirty="0">
+                <a:solidFill>
+                  <a:schemeClr val="accent3"/>
+                </a:solidFill>
+              </a:rPr>
+              <a:t>Desenvolvimento do diagrama de implantação</a:t>
+            </a:r>
+          </a:p>
+          <a:p>
+            <a:pPr marL="285750" indent="-285750">
+              <a:buFont typeface="Wingdings" panose="05000000000000000000" pitchFamily="2" charset="2"/>
+              <a:buChar char="Ø"/>
+            </a:pPr>
             <a:endParaRPr lang="pt-BR" dirty="0">
               <a:solidFill>
                 <a:schemeClr val="accent3"/>
@@ -6724,13 +7195,13 @@
   <p:clrMapOvr>
     <a:masterClrMapping/>
   </p:clrMapOvr>
-  <mc:AlternateContent xmlns:mc="http://schemas.openxmlformats.org/markup-compatibility/2006">
-    <mc:Choice xmlns:p15="http://schemas.microsoft.com/office/powerpoint/2012/main" Requires="p15">
+  <mc:AlternateContent xmlns:mc="http://schemas.openxmlformats.org/markup-compatibility/2006" xmlns:p15="http://schemas.microsoft.com/office/powerpoint/2012/main">
+    <mc:Choice Requires="p15">
       <p:transition xmlns:p14="http://schemas.microsoft.com/office/powerpoint/2010/main" spd="slow" p14:dur="1250">
         <p15:prstTrans prst="peelOff"/>
       </p:transition>
     </mc:Choice>
-    <mc:Fallback>
+    <mc:Fallback xmlns="">
       <p:transition spd="slow">
         <p:fade/>
       </p:transition>
@@ -6826,6 +7297,107 @@
           </a:bodyPr>
           <a:lstStyle/>
           <a:p>
+            <a:r>
+              <a:rPr lang="pt-BR" dirty="0">
+                <a:solidFill>
+                  <a:schemeClr val="accent3"/>
+                </a:solidFill>
+              </a:rPr>
+              <a:t>Os desenvolvedores criam as interfaces do software</a:t>
+            </a:r>
+          </a:p>
+          <a:p>
+            <a:endParaRPr lang="pt-BR" dirty="0">
+              <a:solidFill>
+                <a:schemeClr val="accent3"/>
+              </a:solidFill>
+            </a:endParaRPr>
+          </a:p>
+          <a:p>
+            <a:pPr marL="285750" indent="-285750">
+              <a:buFont typeface="Wingdings" panose="05000000000000000000" pitchFamily="2" charset="2"/>
+              <a:buChar char="Ø"/>
+            </a:pPr>
+            <a:r>
+              <a:rPr lang="pt-BR" dirty="0">
+                <a:solidFill>
+                  <a:schemeClr val="accent3"/>
+                </a:solidFill>
+              </a:rPr>
+              <a:t>Definição das hierarquias</a:t>
+            </a:r>
+          </a:p>
+          <a:p>
+            <a:pPr marL="285750" indent="-285750">
+              <a:buFont typeface="Wingdings" panose="05000000000000000000" pitchFamily="2" charset="2"/>
+              <a:buChar char="Ø"/>
+            </a:pPr>
+            <a:r>
+              <a:rPr lang="pt-BR" dirty="0">
+                <a:solidFill>
+                  <a:schemeClr val="accent3"/>
+                </a:solidFill>
+              </a:rPr>
+              <a:t>Atendimento aos requisitos</a:t>
+            </a:r>
+          </a:p>
+          <a:p>
+            <a:pPr marL="285750" indent="-285750">
+              <a:buFont typeface="Wingdings" panose="05000000000000000000" pitchFamily="2" charset="2"/>
+              <a:buChar char="Ø"/>
+            </a:pPr>
+            <a:r>
+              <a:rPr lang="pt-BR" dirty="0">
+                <a:solidFill>
+                  <a:schemeClr val="accent3"/>
+                </a:solidFill>
+              </a:rPr>
+              <a:t>Criação das interfaces</a:t>
+            </a:r>
+          </a:p>
+          <a:p>
+            <a:pPr marL="285750" indent="-285750">
+              <a:buFont typeface="Wingdings" panose="05000000000000000000" pitchFamily="2" charset="2"/>
+              <a:buChar char="Ø"/>
+            </a:pPr>
+            <a:r>
+              <a:rPr lang="pt-BR" dirty="0">
+                <a:solidFill>
+                  <a:schemeClr val="accent3"/>
+                </a:solidFill>
+              </a:rPr>
+              <a:t>Testes unitários</a:t>
+            </a:r>
+          </a:p>
+          <a:p>
+            <a:pPr marL="285750" indent="-285750">
+              <a:buFont typeface="Wingdings" panose="05000000000000000000" pitchFamily="2" charset="2"/>
+              <a:buChar char="Ø"/>
+            </a:pPr>
+            <a:r>
+              <a:rPr lang="pt-BR" dirty="0">
+                <a:solidFill>
+                  <a:schemeClr val="accent3"/>
+                </a:solidFill>
+              </a:rPr>
+              <a:t>Teste de usabilidade</a:t>
+            </a:r>
+          </a:p>
+          <a:p>
+            <a:endParaRPr lang="pt-BR" dirty="0">
+              <a:solidFill>
+                <a:schemeClr val="accent3"/>
+              </a:solidFill>
+            </a:endParaRPr>
+          </a:p>
+          <a:p>
+            <a:endParaRPr lang="pt-BR" dirty="0">
+              <a:solidFill>
+                <a:schemeClr val="accent3"/>
+              </a:solidFill>
+            </a:endParaRPr>
+          </a:p>
+          <a:p>
             <a:endParaRPr lang="pt-BR" dirty="0">
               <a:solidFill>
                 <a:schemeClr val="accent3"/>
@@ -6844,13 +7416,13 @@
   <p:clrMapOvr>
     <a:masterClrMapping/>
   </p:clrMapOvr>
-  <mc:AlternateContent xmlns:mc="http://schemas.openxmlformats.org/markup-compatibility/2006">
-    <mc:Choice xmlns:p15="http://schemas.microsoft.com/office/powerpoint/2012/main" Requires="p15">
+  <mc:AlternateContent xmlns:mc="http://schemas.openxmlformats.org/markup-compatibility/2006" xmlns:p15="http://schemas.microsoft.com/office/powerpoint/2012/main">
+    <mc:Choice Requires="p15">
       <p:transition xmlns:p14="http://schemas.microsoft.com/office/powerpoint/2010/main" spd="slow" p14:dur="1250">
         <p15:prstTrans prst="peelOff"/>
       </p:transition>
     </mc:Choice>
-    <mc:Fallback>
+    <mc:Fallback xmlns="">
       <p:transition spd="slow">
         <p:fade/>
       </p:transition>
@@ -6946,11 +7518,65 @@
           </a:bodyPr>
           <a:lstStyle/>
           <a:p>
+            <a:r>
+              <a:rPr lang="pt-BR" dirty="0">
+                <a:solidFill>
+                  <a:schemeClr val="accent3"/>
+                </a:solidFill>
+              </a:rPr>
+              <a:t>Desenvolvimento do banco de dados do software</a:t>
+            </a:r>
+          </a:p>
+          <a:p>
             <a:endParaRPr lang="pt-BR" dirty="0">
               <a:solidFill>
                 <a:schemeClr val="accent3"/>
               </a:solidFill>
             </a:endParaRPr>
+          </a:p>
+          <a:p>
+            <a:pPr marL="285750" indent="-285750">
+              <a:buFont typeface="Wingdings" panose="05000000000000000000" pitchFamily="2" charset="2"/>
+              <a:buChar char="Ø"/>
+            </a:pPr>
+            <a:r>
+              <a:rPr lang="pt-BR" dirty="0">
+                <a:solidFill>
+                  <a:schemeClr val="accent3"/>
+                </a:solidFill>
+              </a:rPr>
+              <a:t>Criação da entidade-relacionamento (</a:t>
+            </a:r>
+            <a:r>
+              <a:rPr lang="pt-BR" dirty="0" err="1">
+                <a:solidFill>
+                  <a:schemeClr val="accent3"/>
+                </a:solidFill>
+              </a:rPr>
+              <a:t>mer</a:t>
+            </a:r>
+            <a:r>
+              <a:rPr lang="pt-BR" dirty="0">
+                <a:solidFill>
+                  <a:schemeClr val="accent3"/>
+                </a:solidFill>
+              </a:rPr>
+              <a:t>)</a:t>
+            </a:r>
+          </a:p>
+          <a:p>
+            <a:pPr marL="285750" indent="-285750">
+              <a:buFont typeface="Wingdings" panose="05000000000000000000" pitchFamily="2" charset="2"/>
+              <a:buChar char="Ø"/>
+            </a:pPr>
+            <a:r>
+              <a:rPr lang="pt-BR" dirty="0">
+                <a:solidFill>
+                  <a:schemeClr val="accent3"/>
+                </a:solidFill>
+              </a:rPr>
+              <a:t>Criação do modelo lógico</a:t>
+            </a:r>
           </a:p>
         </p:txBody>
       </p:sp>
@@ -6964,13 +7590,13 @@
   <p:clrMapOvr>
     <a:masterClrMapping/>
   </p:clrMapOvr>
-  <mc:AlternateContent xmlns:mc="http://schemas.openxmlformats.org/markup-compatibility/2006">
-    <mc:Choice xmlns:p15="http://schemas.microsoft.com/office/powerpoint/2012/main" Requires="p15">
+  <mc:AlternateContent xmlns:mc="http://schemas.openxmlformats.org/markup-compatibility/2006" xmlns:p15="http://schemas.microsoft.com/office/powerpoint/2012/main">
+    <mc:Choice Requires="p15">
       <p:transition xmlns:p14="http://schemas.microsoft.com/office/powerpoint/2010/main" spd="slow" p14:dur="1250">
         <p15:prstTrans prst="peelOff"/>
       </p:transition>
     </mc:Choice>
-    <mc:Fallback>
+    <mc:Fallback xmlns="">
       <p:transition spd="slow">
         <p:fade/>
       </p:transition>
@@ -7089,13 +7715,13 @@
   <p:clrMapOvr>
     <a:masterClrMapping/>
   </p:clrMapOvr>
-  <mc:AlternateContent xmlns:mc="http://schemas.openxmlformats.org/markup-compatibility/2006">
-    <mc:Choice xmlns:p15="http://schemas.microsoft.com/office/powerpoint/2012/main" Requires="p15">
+  <mc:AlternateContent xmlns:mc="http://schemas.openxmlformats.org/markup-compatibility/2006" xmlns:p15="http://schemas.microsoft.com/office/powerpoint/2012/main">
+    <mc:Choice Requires="p15">
       <p:transition xmlns:p14="http://schemas.microsoft.com/office/powerpoint/2010/main" spd="slow" p14:dur="1250">
         <p15:prstTrans prst="peelOff"/>
       </p:transition>
     </mc:Choice>
-    <mc:Fallback>
+    <mc:Fallback xmlns="">
       <p:transition spd="slow">
         <p:fade/>
       </p:transition>
